--- a/24/yongki/Transaction&Integrity&Continuity.pptx
+++ b/24/yongki/Transaction&Integrity&Continuity.pptx
@@ -262,7 +262,7 @@
           <a:p>
             <a:fld id="{278A5395-7299-4714-9E5C-8983F2B9A6E7}" type="datetimeFigureOut">
               <a:rPr lang="ko-KR" altLang="en-US" smtClean="0"/>
-              <a:t>2022-06-16</a:t>
+              <a:t>2022-06-21</a:t>
             </a:fld>
             <a:endParaRPr lang="ko-KR" altLang="en-US"/>
           </a:p>
@@ -11388,14 +11388,14 @@
           <p:nvPr>
             <p:extLst>
               <p:ext uri="{D42A27DB-BD31-4B8C-83A1-F6EECF244321}">
-                <p14:modId xmlns:p14="http://schemas.microsoft.com/office/powerpoint/2010/main" val="1832688719"/>
+                <p14:modId xmlns:p14="http://schemas.microsoft.com/office/powerpoint/2010/main" val="1526607178"/>
               </p:ext>
             </p:extLst>
           </p:nvPr>
         </p:nvGraphicFramePr>
         <p:xfrm>
           <a:off x="107504" y="1397000"/>
-          <a:ext cx="8928992" cy="3810000"/>
+          <a:ext cx="8928992" cy="3042920"/>
         </p:xfrm>
         <a:graphic>
           <a:graphicData uri="http://schemas.openxmlformats.org/drawingml/2006/table">
@@ -11404,28 +11404,28 @@
                 <a:tableStyleId>{5C22544A-7EE6-4342-B048-85BDC9FD1C3A}</a:tableStyleId>
               </a:tblPr>
               <a:tblGrid>
-                <a:gridCol w="1152128">
+                <a:gridCol w="1368152">
                   <a:extLst>
                     <a:ext uri="{9D8B030D-6E8A-4147-A177-3AD203B41FA5}">
                       <a16:colId xmlns:a16="http://schemas.microsoft.com/office/drawing/2014/main" val="4173296748"/>
                     </a:ext>
                   </a:extLst>
                 </a:gridCol>
-                <a:gridCol w="2592288">
+                <a:gridCol w="2520280">
                   <a:extLst>
                     <a:ext uri="{9D8B030D-6E8A-4147-A177-3AD203B41FA5}">
                       <a16:colId xmlns:a16="http://schemas.microsoft.com/office/drawing/2014/main" val="2849260970"/>
                     </a:ext>
                   </a:extLst>
                 </a:gridCol>
-                <a:gridCol w="2592288">
+                <a:gridCol w="2520280">
                   <a:extLst>
                     <a:ext uri="{9D8B030D-6E8A-4147-A177-3AD203B41FA5}">
                       <a16:colId xmlns:a16="http://schemas.microsoft.com/office/drawing/2014/main" val="530257245"/>
                     </a:ext>
                   </a:extLst>
                 </a:gridCol>
-                <a:gridCol w="2592288">
+                <a:gridCol w="2520280">
                   <a:extLst>
                     <a:ext uri="{9D8B030D-6E8A-4147-A177-3AD203B41FA5}">
                       <a16:colId xmlns:a16="http://schemas.microsoft.com/office/drawing/2014/main" val="2258230776"/>
@@ -12615,8 +12615,45 @@
                             <a:schemeClr val="tx1"/>
                           </a:solidFill>
                         </a:rPr>
-                        <a:t>커밋될 트랜잭션</a:t>
+                        <a:t>완료상태의 트랜잭션</a:t>
                       </a:r>
+                      <a:endParaRPr lang="en-US" altLang="ko-KR" sz="1400">
+                        <a:solidFill>
+                          <a:schemeClr val="tx1"/>
+                        </a:solidFill>
+                      </a:endParaRPr>
+                    </a:p>
+                    <a:p>
+                      <a:pPr latinLnBrk="1"/>
+                      <a:r>
+                        <a:rPr lang="en-US" altLang="ko-KR" sz="1400">
+                          <a:solidFill>
+                            <a:schemeClr val="tx1"/>
+                          </a:solidFill>
+                        </a:rPr>
+                        <a:t>(partial</a:t>
+                      </a:r>
+                      <a:r>
+                        <a:rPr lang="ko-KR" altLang="en-US" sz="1400">
+                          <a:solidFill>
+                            <a:schemeClr val="tx1"/>
+                          </a:solidFill>
+                        </a:rPr>
+                        <a:t> </a:t>
+                      </a:r>
+                      <a:r>
+                        <a:rPr lang="en-US" altLang="ko-KR" sz="1400">
+                          <a:solidFill>
+                            <a:schemeClr val="tx1"/>
+                          </a:solidFill>
+                        </a:rPr>
+                        <a:t>commit)</a:t>
+                      </a:r>
+                      <a:endParaRPr lang="ko-KR" altLang="en-US" sz="1400">
+                        <a:solidFill>
+                          <a:schemeClr val="tx1"/>
+                        </a:solidFill>
+                      </a:endParaRPr>
                     </a:p>
                   </a:txBody>
                   <a:tcPr>
@@ -12680,7 +12717,7 @@
                             <a:schemeClr val="tx1"/>
                           </a:solidFill>
                         </a:rPr>
-                        <a:t>필자의 비유</a:t>
+                        <a:t>🤪필자의 비유</a:t>
                       </a:r>
                     </a:p>
                   </a:txBody>
@@ -12988,15 +13025,15 @@
                     <a:p>
                       <a:pPr latinLnBrk="1"/>
                       <a:r>
-                        <a:rPr lang="en-US" altLang="ko-KR" sz="1400">
+                        <a:rPr lang="en-US" altLang="ko-KR" sz="1200">
                           <a:solidFill>
                             <a:schemeClr val="tx1"/>
                           </a:solidFill>
                         </a:rPr>
-                        <a:t>(</a:t>
+                        <a:t>-</a:t>
                       </a:r>
                       <a:r>
-                        <a:rPr lang="ko-KR" altLang="en-US" sz="1400">
+                        <a:rPr lang="ko-KR" altLang="en-US" sz="1200">
                           <a:solidFill>
                             <a:schemeClr val="tx1"/>
                           </a:solidFill>
@@ -13004,146 +13041,33 @@
                         <a:t>조작 실수 </a:t>
                       </a:r>
                       <a:br>
-                        <a:rPr lang="en-US" altLang="ko-KR" sz="1400">
+                        <a:rPr lang="en-US" altLang="ko-KR" sz="1200">
                           <a:solidFill>
                             <a:schemeClr val="tx1"/>
                           </a:solidFill>
                         </a:rPr>
                       </a:br>
                       <a:r>
-                        <a:rPr lang="en-US" altLang="ko-KR" sz="1400">
+                        <a:rPr lang="en-US" altLang="ko-KR" sz="1200">
                           <a:solidFill>
                             <a:schemeClr val="tx1"/>
                           </a:solidFill>
                         </a:rPr>
-                        <a:t>/ </a:t>
+                        <a:t>-</a:t>
                       </a:r>
                       <a:r>
-                        <a:rPr lang="ko-KR" altLang="en-US" sz="1400">
+                        <a:rPr lang="ko-KR" altLang="en-US" sz="1200">
                           <a:solidFill>
                             <a:schemeClr val="tx1"/>
                           </a:solidFill>
                         </a:rPr>
-                        <a:t>고부하에 따른 요청 타임아웃</a:t>
+                        <a:t>과부하에 따른 요청 타임아웃</a:t>
                       </a:r>
-                      <a:r>
-                        <a:rPr lang="en-US" altLang="ko-KR" sz="1400">
-                          <a:solidFill>
-                            <a:schemeClr val="tx1"/>
-                          </a:solidFill>
-                        </a:rPr>
-                        <a:t>)</a:t>
-                      </a:r>
-                      <a:br>
-                        <a:rPr lang="en-US" altLang="ko-KR" sz="1400">
-                          <a:solidFill>
-                            <a:schemeClr val="tx1"/>
-                          </a:solidFill>
-                        </a:rPr>
-                      </a:br>
                       <a:endParaRPr lang="en-US" altLang="ko-KR" sz="1400">
                         <a:solidFill>
                           <a:schemeClr val="tx1"/>
                         </a:solidFill>
                       </a:endParaRPr>
-                    </a:p>
-                    <a:p>
-                      <a:pPr latinLnBrk="1"/>
-                      <a:r>
-                        <a:rPr lang="en-US" altLang="ko-KR" sz="1400">
-                          <a:solidFill>
-                            <a:schemeClr val="tx1"/>
-                          </a:solidFill>
-                        </a:rPr>
-                        <a:t>(</a:t>
-                      </a:r>
-                      <a:r>
-                        <a:rPr lang="ko-KR" altLang="en-US" sz="1400">
-                          <a:solidFill>
-                            <a:schemeClr val="tx1"/>
-                          </a:solidFill>
-                        </a:rPr>
-                        <a:t>네트워크</a:t>
-                      </a:r>
-                      <a:r>
-                        <a:rPr lang="en-US" altLang="ko-KR" sz="1400">
-                          <a:solidFill>
-                            <a:schemeClr val="tx1"/>
-                          </a:solidFill>
-                        </a:rPr>
-                        <a:t>/</a:t>
-                      </a:r>
-                      <a:r>
-                        <a:rPr lang="ko-KR" altLang="en-US" sz="1400">
-                          <a:solidFill>
-                            <a:schemeClr val="tx1"/>
-                          </a:solidFill>
-                        </a:rPr>
-                        <a:t>전원</a:t>
-                      </a:r>
-                      <a:r>
-                        <a:rPr lang="en-US" altLang="ko-KR" sz="1400">
-                          <a:solidFill>
-                            <a:schemeClr val="tx1"/>
-                          </a:solidFill>
-                        </a:rPr>
-                        <a:t>/</a:t>
-                      </a:r>
-                      <a:r>
-                        <a:rPr lang="ko-KR" altLang="en-US" sz="1400">
-                          <a:solidFill>
-                            <a:schemeClr val="tx1"/>
-                          </a:solidFill>
-                        </a:rPr>
-                        <a:t>하드웨어</a:t>
-                      </a:r>
-                      <a:br>
-                        <a:rPr lang="en-US" altLang="ko-KR" sz="1400">
-                          <a:solidFill>
-                            <a:schemeClr val="tx1"/>
-                          </a:solidFill>
-                        </a:rPr>
-                      </a:br>
-                      <a:r>
-                        <a:rPr lang="en-US" altLang="ko-KR" sz="1400">
-                          <a:solidFill>
-                            <a:schemeClr val="tx1"/>
-                          </a:solidFill>
-                        </a:rPr>
-                        <a:t>/</a:t>
-                      </a:r>
-                      <a:r>
-                        <a:rPr lang="ko-KR" altLang="en-US" sz="1400">
-                          <a:solidFill>
-                            <a:schemeClr val="tx1"/>
-                          </a:solidFill>
-                        </a:rPr>
-                        <a:t>소프트웨어</a:t>
-                      </a:r>
-                      <a:r>
-                        <a:rPr lang="en-US" altLang="ko-KR" sz="1400">
-                          <a:solidFill>
-                            <a:schemeClr val="tx1"/>
-                          </a:solidFill>
-                        </a:rPr>
-                        <a:t>/OS </a:t>
-                      </a:r>
-                      <a:r>
-                        <a:rPr lang="ko-KR" altLang="en-US" sz="1400">
-                          <a:solidFill>
-                            <a:schemeClr val="tx1"/>
-                          </a:solidFill>
-                        </a:rPr>
-                        <a:t>장애 기록 불가</a:t>
-                      </a:r>
-                      <a:r>
-                        <a:rPr lang="en-US" altLang="ko-KR" sz="1400">
-                          <a:solidFill>
-                            <a:schemeClr val="tx1"/>
-                          </a:solidFill>
-                        </a:rPr>
-                        <a:t>)</a:t>
-                      </a:r>
                     </a:p>
                   </a:txBody>
                   <a:tcPr>
@@ -13452,10 +13376,10 @@
       </p:cxnSp>
       <p:pic>
         <p:nvPicPr>
-          <p:cNvPr id="4" name="그림 3">
+          <p:cNvPr id="7" name="그림 6">
             <a:extLst>
               <a:ext uri="{FF2B5EF4-FFF2-40B4-BE49-F238E27FC236}">
-                <a16:creationId xmlns:a16="http://schemas.microsoft.com/office/drawing/2014/main" id="{FCEA0678-F336-FEA9-C09D-4FCD3E7C15D6}"/>
+                <a16:creationId xmlns:a16="http://schemas.microsoft.com/office/drawing/2014/main" id="{5CC1B580-D488-4F3B-BC8D-3701B8DD9AD8}"/>
               </a:ext>
             </a:extLst>
           </p:cNvPr>
@@ -13465,21 +13389,15 @@
           <p:nvPr/>
         </p:nvPicPr>
         <p:blipFill>
-          <a:blip r:embed="rId2">
-            <a:extLst>
-              <a:ext uri="{28A0092B-C50C-407E-A947-70E740481C1C}">
-                <a14:useLocalDpi xmlns:a14="http://schemas.microsoft.com/office/drawing/2010/main" val="0"/>
-              </a:ext>
-            </a:extLst>
-          </a:blip>
+          <a:blip r:embed="rId2"/>
           <a:stretch>
             <a:fillRect/>
           </a:stretch>
         </p:blipFill>
         <p:spPr>
           <a:xfrm>
-            <a:off x="358558" y="142706"/>
-            <a:ext cx="8426883" cy="6572588"/>
+            <a:off x="0" y="340214"/>
+            <a:ext cx="9144000" cy="6177572"/>
           </a:xfrm>
           <a:prstGeom prst="rect">
             <a:avLst/>
@@ -16105,6 +16023,84 @@
   <p:clrMapOvr>
     <a:masterClrMapping/>
   </p:clrMapOvr>
+  <p:timing>
+    <p:tnLst>
+      <p:par>
+        <p:cTn id="1" dur="indefinite" restart="never" nodeType="tmRoot">
+          <p:childTnLst>
+            <p:seq concurrent="1" nextAc="seek">
+              <p:cTn id="2" dur="indefinite" nodeType="mainSeq">
+                <p:childTnLst>
+                  <p:par>
+                    <p:cTn id="3" fill="hold">
+                      <p:stCondLst>
+                        <p:cond delay="indefinite"/>
+                      </p:stCondLst>
+                      <p:childTnLst>
+                        <p:par>
+                          <p:cTn id="4" fill="hold">
+                            <p:stCondLst>
+                              <p:cond delay="0"/>
+                            </p:stCondLst>
+                            <p:childTnLst>
+                              <p:par>
+                                <p:cTn id="5" presetID="1" presetClass="entr" presetSubtype="0" fill="hold" grpId="0" nodeType="clickEffect">
+                                  <p:stCondLst>
+                                    <p:cond delay="0"/>
+                                  </p:stCondLst>
+                                  <p:childTnLst>
+                                    <p:set>
+                                      <p:cBhvr>
+                                        <p:cTn id="6" dur="1" fill="hold">
+                                          <p:stCondLst>
+                                            <p:cond delay="0"/>
+                                          </p:stCondLst>
+                                        </p:cTn>
+                                        <p:tgtEl>
+                                          <p:spTgt spid="7"/>
+                                        </p:tgtEl>
+                                        <p:attrNameLst>
+                                          <p:attrName>style.visibility</p:attrName>
+                                        </p:attrNameLst>
+                                      </p:cBhvr>
+                                      <p:to>
+                                        <p:strVal val="visible"/>
+                                      </p:to>
+                                    </p:set>
+                                  </p:childTnLst>
+                                </p:cTn>
+                              </p:par>
+                            </p:childTnLst>
+                          </p:cTn>
+                        </p:par>
+                      </p:childTnLst>
+                    </p:cTn>
+                  </p:par>
+                </p:childTnLst>
+              </p:cTn>
+              <p:prevCondLst>
+                <p:cond evt="onPrev" delay="0">
+                  <p:tgtEl>
+                    <p:sldTgt/>
+                  </p:tgtEl>
+                </p:cond>
+              </p:prevCondLst>
+              <p:nextCondLst>
+                <p:cond evt="onNext" delay="0">
+                  <p:tgtEl>
+                    <p:sldTgt/>
+                  </p:tgtEl>
+                </p:cond>
+              </p:nextCondLst>
+            </p:seq>
+          </p:childTnLst>
+        </p:cTn>
+      </p:par>
+    </p:tnLst>
+    <p:bldLst>
+      <p:bldP spid="7" grpId="0"/>
+    </p:bldLst>
+  </p:timing>
 </p:sld>
 </file>
 
@@ -18136,6 +18132,176 @@
   <p:clrMapOvr>
     <a:masterClrMapping/>
   </p:clrMapOvr>
+  <p:timing>
+    <p:tnLst>
+      <p:par>
+        <p:cTn id="1" dur="indefinite" restart="never" nodeType="tmRoot">
+          <p:childTnLst>
+            <p:seq concurrent="1" nextAc="seek">
+              <p:cTn id="2" dur="indefinite" nodeType="mainSeq">
+                <p:childTnLst>
+                  <p:par>
+                    <p:cTn id="3" fill="hold">
+                      <p:stCondLst>
+                        <p:cond delay="indefinite"/>
+                      </p:stCondLst>
+                      <p:childTnLst>
+                        <p:par>
+                          <p:cTn id="4" fill="hold">
+                            <p:stCondLst>
+                              <p:cond delay="0"/>
+                            </p:stCondLst>
+                            <p:childTnLst>
+                              <p:par>
+                                <p:cTn id="5" presetID="1" presetClass="entr" presetSubtype="0" fill="hold" grpId="0" nodeType="clickEffect">
+                                  <p:stCondLst>
+                                    <p:cond delay="0"/>
+                                  </p:stCondLst>
+                                  <p:childTnLst>
+                                    <p:set>
+                                      <p:cBhvr>
+                                        <p:cTn id="6" dur="1" fill="hold">
+                                          <p:stCondLst>
+                                            <p:cond delay="0"/>
+                                          </p:stCondLst>
+                                        </p:cTn>
+                                        <p:tgtEl>
+                                          <p:spTgt spid="5"/>
+                                        </p:tgtEl>
+                                        <p:attrNameLst>
+                                          <p:attrName>style.visibility</p:attrName>
+                                        </p:attrNameLst>
+                                      </p:cBhvr>
+                                      <p:to>
+                                        <p:strVal val="visible"/>
+                                      </p:to>
+                                    </p:set>
+                                  </p:childTnLst>
+                                </p:cTn>
+                              </p:par>
+                            </p:childTnLst>
+                          </p:cTn>
+                        </p:par>
+                      </p:childTnLst>
+                    </p:cTn>
+                  </p:par>
+                  <p:par>
+                    <p:cTn id="7" fill="hold">
+                      <p:stCondLst>
+                        <p:cond delay="indefinite"/>
+                      </p:stCondLst>
+                      <p:childTnLst>
+                        <p:par>
+                          <p:cTn id="8" fill="hold">
+                            <p:stCondLst>
+                              <p:cond delay="0"/>
+                            </p:stCondLst>
+                            <p:childTnLst>
+                              <p:par>
+                                <p:cTn id="9" presetID="1" presetClass="entr" presetSubtype="0" fill="hold" grpId="0" nodeType="clickEffect">
+                                  <p:stCondLst>
+                                    <p:cond delay="0"/>
+                                  </p:stCondLst>
+                                  <p:childTnLst>
+                                    <p:set>
+                                      <p:cBhvr>
+                                        <p:cTn id="10" dur="1" fill="hold">
+                                          <p:stCondLst>
+                                            <p:cond delay="0"/>
+                                          </p:stCondLst>
+                                        </p:cTn>
+                                        <p:tgtEl>
+                                          <p:spTgt spid="7"/>
+                                        </p:tgtEl>
+                                        <p:attrNameLst>
+                                          <p:attrName>style.visibility</p:attrName>
+                                        </p:attrNameLst>
+                                      </p:cBhvr>
+                                      <p:to>
+                                        <p:strVal val="visible"/>
+                                      </p:to>
+                                    </p:set>
+                                  </p:childTnLst>
+                                </p:cTn>
+                              </p:par>
+                            </p:childTnLst>
+                          </p:cTn>
+                        </p:par>
+                      </p:childTnLst>
+                    </p:cTn>
+                  </p:par>
+                  <p:par>
+                    <p:cTn id="11" fill="hold">
+                      <p:stCondLst>
+                        <p:cond delay="indefinite"/>
+                      </p:stCondLst>
+                      <p:childTnLst>
+                        <p:par>
+                          <p:cTn id="12" fill="hold">
+                            <p:stCondLst>
+                              <p:cond delay="0"/>
+                            </p:stCondLst>
+                            <p:childTnLst>
+                              <p:par>
+                                <p:cTn id="13" presetID="1" presetClass="entr" presetSubtype="0" fill="hold" grpId="0" nodeType="clickEffect">
+                                  <p:stCondLst>
+                                    <p:cond delay="0"/>
+                                  </p:stCondLst>
+                                  <p:childTnLst>
+                                    <p:set>
+                                      <p:cBhvr>
+                                        <p:cTn id="14" dur="1" fill="hold">
+                                          <p:stCondLst>
+                                            <p:cond delay="0"/>
+                                          </p:stCondLst>
+                                        </p:cTn>
+                                        <p:tgtEl>
+                                          <p:spTgt spid="8"/>
+                                        </p:tgtEl>
+                                        <p:attrNameLst>
+                                          <p:attrName>style.visibility</p:attrName>
+                                        </p:attrNameLst>
+                                      </p:cBhvr>
+                                      <p:to>
+                                        <p:strVal val="visible"/>
+                                      </p:to>
+                                    </p:set>
+                                  </p:childTnLst>
+                                </p:cTn>
+                              </p:par>
+                            </p:childTnLst>
+                          </p:cTn>
+                        </p:par>
+                      </p:childTnLst>
+                    </p:cTn>
+                  </p:par>
+                </p:childTnLst>
+              </p:cTn>
+              <p:prevCondLst>
+                <p:cond evt="onPrev" delay="0">
+                  <p:tgtEl>
+                    <p:sldTgt/>
+                  </p:tgtEl>
+                </p:cond>
+              </p:prevCondLst>
+              <p:nextCondLst>
+                <p:cond evt="onNext" delay="0">
+                  <p:tgtEl>
+                    <p:sldTgt/>
+                  </p:tgtEl>
+                </p:cond>
+              </p:nextCondLst>
+            </p:seq>
+          </p:childTnLst>
+        </p:cTn>
+      </p:par>
+    </p:tnLst>
+    <p:bldLst>
+      <p:bldP spid="5" grpId="0"/>
+      <p:bldP spid="7" grpId="0"/>
+      <p:bldP spid="8" grpId="0"/>
+    </p:bldLst>
+  </p:timing>
 </p:sld>
 </file>
 
